--- a/presentations/presentation.pptx
+++ b/presentations/presentation.pptx
@@ -116,6 +116,11 @@
       </a:defRPr>
     </a:lvl9pPr>
   </p:defaultTextStyle>
+  <p:extLst>
+    <p:ext uri="{EFAFB233-063F-42B5-8137-9DF3F51BA10A}">
+      <p15:sldGuideLst xmlns:p15="http://schemas.microsoft.com/office/powerpoint/2012/main"/>
+    </p:ext>
+  </p:extLst>
 </p:presentation>
 </file>
 
@@ -1063,7 +1068,7 @@
           <a:p>
             <a:fld id="{68D9C85D-8625-4DA9-BD42-120D1CB4FDFA}" type="datetimeFigureOut">
               <a:rPr lang="en-US" smtClean="0"/>
-              <a:t>10/26/2020</a:t>
+              <a:t>11/29/2020</a:t>
             </a:fld>
             <a:endParaRPr lang="en-US"/>
           </a:p>
@@ -1261,7 +1266,7 @@
           <a:p>
             <a:fld id="{68D9C85D-8625-4DA9-BD42-120D1CB4FDFA}" type="datetimeFigureOut">
               <a:rPr lang="en-US" smtClean="0"/>
-              <a:t>10/26/2020</a:t>
+              <a:t>11/29/2020</a:t>
             </a:fld>
             <a:endParaRPr lang="en-US"/>
           </a:p>
@@ -1469,7 +1474,7 @@
           <a:p>
             <a:fld id="{68D9C85D-8625-4DA9-BD42-120D1CB4FDFA}" type="datetimeFigureOut">
               <a:rPr lang="en-US" smtClean="0"/>
-              <a:t>10/26/2020</a:t>
+              <a:t>11/29/2020</a:t>
             </a:fld>
             <a:endParaRPr lang="en-US"/>
           </a:p>
@@ -1667,7 +1672,7 @@
           <a:p>
             <a:fld id="{68D9C85D-8625-4DA9-BD42-120D1CB4FDFA}" type="datetimeFigureOut">
               <a:rPr lang="en-US" smtClean="0"/>
-              <a:t>10/26/2020</a:t>
+              <a:t>11/29/2020</a:t>
             </a:fld>
             <a:endParaRPr lang="en-US"/>
           </a:p>
@@ -1942,7 +1947,7 @@
           <a:p>
             <a:fld id="{68D9C85D-8625-4DA9-BD42-120D1CB4FDFA}" type="datetimeFigureOut">
               <a:rPr lang="en-US" smtClean="0"/>
-              <a:t>10/26/2020</a:t>
+              <a:t>11/29/2020</a:t>
             </a:fld>
             <a:endParaRPr lang="en-US"/>
           </a:p>
@@ -2207,7 +2212,7 @@
           <a:p>
             <a:fld id="{68D9C85D-8625-4DA9-BD42-120D1CB4FDFA}" type="datetimeFigureOut">
               <a:rPr lang="en-US" smtClean="0"/>
-              <a:t>10/26/2020</a:t>
+              <a:t>11/29/2020</a:t>
             </a:fld>
             <a:endParaRPr lang="en-US"/>
           </a:p>
@@ -2619,7 +2624,7 @@
           <a:p>
             <a:fld id="{68D9C85D-8625-4DA9-BD42-120D1CB4FDFA}" type="datetimeFigureOut">
               <a:rPr lang="en-US" smtClean="0"/>
-              <a:t>10/26/2020</a:t>
+              <a:t>11/29/2020</a:t>
             </a:fld>
             <a:endParaRPr lang="en-US"/>
           </a:p>
@@ -2760,7 +2765,7 @@
           <a:p>
             <a:fld id="{68D9C85D-8625-4DA9-BD42-120D1CB4FDFA}" type="datetimeFigureOut">
               <a:rPr lang="en-US" smtClean="0"/>
-              <a:t>10/26/2020</a:t>
+              <a:t>11/29/2020</a:t>
             </a:fld>
             <a:endParaRPr lang="en-US"/>
           </a:p>
@@ -2873,7 +2878,7 @@
           <a:p>
             <a:fld id="{68D9C85D-8625-4DA9-BD42-120D1CB4FDFA}" type="datetimeFigureOut">
               <a:rPr lang="en-US" smtClean="0"/>
-              <a:t>10/26/2020</a:t>
+              <a:t>11/29/2020</a:t>
             </a:fld>
             <a:endParaRPr lang="en-US"/>
           </a:p>
@@ -3184,7 +3189,7 @@
           <a:p>
             <a:fld id="{68D9C85D-8625-4DA9-BD42-120D1CB4FDFA}" type="datetimeFigureOut">
               <a:rPr lang="en-US" smtClean="0"/>
-              <a:t>10/26/2020</a:t>
+              <a:t>11/29/2020</a:t>
             </a:fld>
             <a:endParaRPr lang="en-US"/>
           </a:p>
@@ -3472,7 +3477,7 @@
           <a:p>
             <a:fld id="{68D9C85D-8625-4DA9-BD42-120D1CB4FDFA}" type="datetimeFigureOut">
               <a:rPr lang="en-US" smtClean="0"/>
-              <a:t>10/26/2020</a:t>
+              <a:t>11/29/2020</a:t>
             </a:fld>
             <a:endParaRPr lang="en-US"/>
           </a:p>
@@ -3713,7 +3718,7 @@
           <a:p>
             <a:fld id="{68D9C85D-8625-4DA9-BD42-120D1CB4FDFA}" type="datetimeFigureOut">
               <a:rPr lang="en-US" smtClean="0"/>
-              <a:t>10/26/2020</a:t>
+              <a:t>11/29/2020</a:t>
             </a:fld>
             <a:endParaRPr lang="en-US"/>
           </a:p>
@@ -33176,7 +33181,7 @@
               <a:buNone/>
             </a:pPr>
             <a:r>
-              <a:rPr lang="en-US" sz="1600">
+              <a:rPr lang="en-US" sz="1600" dirty="0">
                 <a:solidFill>
                   <a:schemeClr val="tx2"/>
                 </a:solidFill>
@@ -44344,6 +44349,29 @@
 </file>
 
 <file path=customXml/item1.xml><?xml version="1.0" encoding="utf-8"?>
+<p:properties xmlns:p="http://schemas.microsoft.com/office/2006/metadata/properties" xmlns:xsi="http://www.w3.org/2001/XMLSchema-instance" xmlns:pc="http://schemas.microsoft.com/office/infopath/2007/PartnerControls">
+  <documentManagement>
+    <_ip_UnifiedCompliancePolicyUIAction xmlns="http://schemas.microsoft.com/sharepoint/v3" xsi:nil="true"/>
+    <MigrationWizIdDocumentLibraryPermissions xmlns="30a303d7-cbbf-4601-8660-dcbf1875f84c" xsi:nil="true"/>
+    <MigrationWizIdPermissionLevels xmlns="30a303d7-cbbf-4601-8660-dcbf1875f84c" xsi:nil="true"/>
+    <MigrationWizIdPermissions xmlns="30a303d7-cbbf-4601-8660-dcbf1875f84c" xsi:nil="true"/>
+    <_ip_UnifiedCompliancePolicyProperties xmlns="http://schemas.microsoft.com/sharepoint/v3" xsi:nil="true"/>
+    <MigrationWizIdSecurityGroups xmlns="30a303d7-cbbf-4601-8660-dcbf1875f84c" xsi:nil="true"/>
+    <MigrationWizId xmlns="30a303d7-cbbf-4601-8660-dcbf1875f84c" xsi:nil="true"/>
+  </documentManagement>
+</p:properties>
+</file>
+
+<file path=customXml/item2.xml><?xml version="1.0" encoding="utf-8"?>
+<?mso-contentType ?>
+<FormTemplates xmlns="http://schemas.microsoft.com/sharepoint/v3/contenttype/forms">
+  <Display>DocumentLibraryForm</Display>
+  <Edit>DocumentLibraryForm</Edit>
+  <New>DocumentLibraryForm</New>
+</FormTemplates>
+</file>
+
+<file path=customXml/item3.xml><?xml version="1.0" encoding="utf-8"?>
 <ct:contentTypeSchema xmlns:ct="http://schemas.microsoft.com/office/2006/metadata/contentType" xmlns:ma="http://schemas.microsoft.com/office/2006/metadata/properties/metaAttributes" ct:_="" ma:_="" ma:contentTypeName="Document" ma:contentTypeID="0x010100F761965B390B504A85AE5B380A6557C2" ma:contentTypeVersion="20" ma:contentTypeDescription="Create a new document." ma:contentTypeScope="" ma:versionID="6431c53291774a99eb910729c2684f7a">
   <xsd:schema xmlns:xsd="http://www.w3.org/2001/XMLSchema" xmlns:xs="http://www.w3.org/2001/XMLSchema" xmlns:p="http://schemas.microsoft.com/office/2006/metadata/properties" xmlns:ns1="http://schemas.microsoft.com/sharepoint/v3" xmlns:ns3="30a303d7-cbbf-4601-8660-dcbf1875f84c" xmlns:ns4="7eeb39fa-1749-453a-b36f-d4f407b200a3" targetNamespace="http://schemas.microsoft.com/office/2006/metadata/properties" ma:root="true" ma:fieldsID="0302ecbf7208b638bda36d25a3cb0a20" ns1:_="" ns3:_="" ns4:_="">
     <xsd:import namespace="http://schemas.microsoft.com/sharepoint/v3"/>
@@ -44613,30 +44641,26 @@
 </ct:contentTypeSchema>
 </file>
 
-<file path=customXml/item2.xml><?xml version="1.0" encoding="utf-8"?>
-<?mso-contentType ?>
-<FormTemplates xmlns="http://schemas.microsoft.com/sharepoint/v3/contenttype/forms">
-  <Display>DocumentLibraryForm</Display>
-  <Edit>DocumentLibraryForm</Edit>
-  <New>DocumentLibraryForm</New>
-</FormTemplates>
+<file path=customXml/itemProps1.xml><?xml version="1.0" encoding="utf-8"?>
+<ds:datastoreItem xmlns:ds="http://schemas.openxmlformats.org/officeDocument/2006/customXml" ds:itemID="{9C133C73-081B-4775-BF6A-873EB7F5FA78}">
+  <ds:schemaRefs>
+    <ds:schemaRef ds:uri="http://schemas.microsoft.com/office/2006/metadata/properties"/>
+    <ds:schemaRef ds:uri="http://schemas.microsoft.com/office/infopath/2007/PartnerControls"/>
+    <ds:schemaRef ds:uri="http://schemas.microsoft.com/sharepoint/v3"/>
+    <ds:schemaRef ds:uri="30a303d7-cbbf-4601-8660-dcbf1875f84c"/>
+  </ds:schemaRefs>
+</ds:datastoreItem>
 </file>
 
-<file path=customXml/item3.xml><?xml version="1.0" encoding="utf-8"?>
-<p:properties xmlns:p="http://schemas.microsoft.com/office/2006/metadata/properties" xmlns:xsi="http://www.w3.org/2001/XMLSchema-instance" xmlns:pc="http://schemas.microsoft.com/office/infopath/2007/PartnerControls">
-  <documentManagement>
-    <_ip_UnifiedCompliancePolicyUIAction xmlns="http://schemas.microsoft.com/sharepoint/v3" xsi:nil="true"/>
-    <MigrationWizIdDocumentLibraryPermissions xmlns="30a303d7-cbbf-4601-8660-dcbf1875f84c" xsi:nil="true"/>
-    <MigrationWizIdPermissionLevels xmlns="30a303d7-cbbf-4601-8660-dcbf1875f84c" xsi:nil="true"/>
-    <MigrationWizIdPermissions xmlns="30a303d7-cbbf-4601-8660-dcbf1875f84c" xsi:nil="true"/>
-    <_ip_UnifiedCompliancePolicyProperties xmlns="http://schemas.microsoft.com/sharepoint/v3" xsi:nil="true"/>
-    <MigrationWizIdSecurityGroups xmlns="30a303d7-cbbf-4601-8660-dcbf1875f84c" xsi:nil="true"/>
-    <MigrationWizId xmlns="30a303d7-cbbf-4601-8660-dcbf1875f84c" xsi:nil="true"/>
-  </documentManagement>
-</p:properties>
+<file path=customXml/itemProps2.xml><?xml version="1.0" encoding="utf-8"?>
+<ds:datastoreItem xmlns:ds="http://schemas.openxmlformats.org/officeDocument/2006/customXml" ds:itemID="{1DC5AF26-2B09-4252-BB6E-0679B9B013BC}">
+  <ds:schemaRefs>
+    <ds:schemaRef ds:uri="http://schemas.microsoft.com/sharepoint/v3/contenttype/forms"/>
+  </ds:schemaRefs>
+</ds:datastoreItem>
 </file>
 
-<file path=customXml/itemProps1.xml><?xml version="1.0" encoding="utf-8"?>
+<file path=customXml/itemProps3.xml><?xml version="1.0" encoding="utf-8"?>
 <ds:datastoreItem xmlns:ds="http://schemas.openxmlformats.org/officeDocument/2006/customXml" ds:itemID="{7ED725B4-39A0-49D1-A8B2-1713B080A7D2}">
   <ds:schemaRefs>
     <ds:schemaRef ds:uri="http://schemas.microsoft.com/office/2006/metadata/contentType"/>
@@ -44654,23 +44678,4 @@
     <ds:schemaRef ds:uri="http://schemas.microsoft.com/internal/obd"/>
   </ds:schemaRefs>
 </ds:datastoreItem>
-</file>
-
-<file path=customXml/itemProps2.xml><?xml version="1.0" encoding="utf-8"?>
-<ds:datastoreItem xmlns:ds="http://schemas.openxmlformats.org/officeDocument/2006/customXml" ds:itemID="{1DC5AF26-2B09-4252-BB6E-0679B9B013BC}">
-  <ds:schemaRefs>
-    <ds:schemaRef ds:uri="http://schemas.microsoft.com/sharepoint/v3/contenttype/forms"/>
-  </ds:schemaRefs>
-</ds:datastoreItem>
-</file>
-
-<file path=customXml/itemProps3.xml><?xml version="1.0" encoding="utf-8"?>
-<ds:datastoreItem xmlns:ds="http://schemas.openxmlformats.org/officeDocument/2006/customXml" ds:itemID="{9C133C73-081B-4775-BF6A-873EB7F5FA78}">
-  <ds:schemaRefs>
-    <ds:schemaRef ds:uri="http://schemas.microsoft.com/office/2006/metadata/properties"/>
-    <ds:schemaRef ds:uri="http://schemas.microsoft.com/office/infopath/2007/PartnerControls"/>
-    <ds:schemaRef ds:uri="http://schemas.microsoft.com/sharepoint/v3"/>
-    <ds:schemaRef ds:uri="30a303d7-cbbf-4601-8660-dcbf1875f84c"/>
-  </ds:schemaRefs>
-</ds:datastoreItem>
 </file>
--- a/presentations/presentation.pptx
+++ b/presentations/presentation.pptx
@@ -14,10 +14,12 @@
     <p:sldId id="267" r:id="rId11"/>
     <p:sldId id="261" r:id="rId12"/>
     <p:sldId id="262" r:id="rId13"/>
-    <p:sldId id="263" r:id="rId14"/>
-    <p:sldId id="264" r:id="rId15"/>
-    <p:sldId id="265" r:id="rId16"/>
-    <p:sldId id="271" r:id="rId17"/>
+    <p:sldId id="272" r:id="rId14"/>
+    <p:sldId id="273" r:id="rId15"/>
+    <p:sldId id="263" r:id="rId16"/>
+    <p:sldId id="264" r:id="rId17"/>
+    <p:sldId id="265" r:id="rId18"/>
+    <p:sldId id="271" r:id="rId19"/>
   </p:sldIdLst>
   <p:sldSz cx="12192000" cy="6858000"/>
   <p:notesSz cx="6858000" cy="9144000"/>
@@ -11398,6 +11400,829 @@
           <a:chExt cx="0" cy="0"/>
         </a:xfrm>
       </p:grpSpPr>
+      <p:sp>
+        <p:nvSpPr>
+          <p:cNvPr id="2" name="Title 1">
+            <a:extLst>
+              <a:ext uri="{FF2B5EF4-FFF2-40B4-BE49-F238E27FC236}">
+                <a16:creationId xmlns:a16="http://schemas.microsoft.com/office/drawing/2014/main" id="{8D7C8280-6D22-4F60-8995-34E7D5F3F13A}"/>
+              </a:ext>
+            </a:extLst>
+          </p:cNvPr>
+          <p:cNvSpPr>
+            <a:spLocks noGrp="1"/>
+          </p:cNvSpPr>
+          <p:nvPr>
+            <p:ph type="title"/>
+          </p:nvPr>
+        </p:nvSpPr>
+        <p:spPr>
+          <a:xfrm>
+            <a:off x="649224" y="629266"/>
+            <a:ext cx="5102351" cy="1676603"/>
+          </a:xfrm>
+        </p:spPr>
+        <p:txBody>
+          <a:bodyPr>
+            <a:normAutofit/>
+          </a:bodyPr>
+          <a:lstStyle/>
+          <a:p>
+            <a:r>
+              <a:rPr lang="en-US" dirty="0">
+                <a:solidFill>
+                  <a:schemeClr val="tx2"/>
+                </a:solidFill>
+              </a:rPr>
+              <a:t>Lift Classification</a:t>
+            </a:r>
+            <a:endParaRPr lang="en-US" dirty="0"/>
+          </a:p>
+        </p:txBody>
+      </p:sp>
+      <p:sp>
+        <p:nvSpPr>
+          <p:cNvPr id="3" name="Content Placeholder 2">
+            <a:extLst>
+              <a:ext uri="{FF2B5EF4-FFF2-40B4-BE49-F238E27FC236}">
+                <a16:creationId xmlns:a16="http://schemas.microsoft.com/office/drawing/2014/main" id="{B8579D9B-981A-44BA-95FE-7C47B167E3BC}"/>
+              </a:ext>
+            </a:extLst>
+          </p:cNvPr>
+          <p:cNvSpPr>
+            <a:spLocks noGrp="1"/>
+          </p:cNvSpPr>
+          <p:nvPr>
+            <p:ph idx="1"/>
+          </p:nvPr>
+        </p:nvSpPr>
+        <p:spPr>
+          <a:xfrm>
+            <a:off x="649223" y="1856232"/>
+            <a:ext cx="5102351" cy="3785419"/>
+          </a:xfrm>
+        </p:spPr>
+        <p:txBody>
+          <a:bodyPr>
+            <a:normAutofit/>
+          </a:bodyPr>
+          <a:lstStyle/>
+          <a:p>
+            <a:r>
+              <a:rPr lang="en-US" sz="2400" dirty="0">
+                <a:solidFill>
+                  <a:schemeClr val="tx2"/>
+                </a:solidFill>
+              </a:rPr>
+              <a:t>Based on a modified version of the </a:t>
+            </a:r>
+            <a:r>
+              <a:rPr lang="en-US" sz="2400" dirty="0" err="1">
+                <a:solidFill>
+                  <a:schemeClr val="tx2"/>
+                </a:solidFill>
+              </a:rPr>
+              <a:t>DeepConvLSTM</a:t>
+            </a:r>
+            <a:r>
+              <a:rPr lang="en-US" sz="2400" dirty="0">
+                <a:solidFill>
+                  <a:schemeClr val="tx2"/>
+                </a:solidFill>
+              </a:rPr>
+              <a:t> model with residual blocks</a:t>
+            </a:r>
+          </a:p>
+          <a:p>
+            <a:pPr lvl="1"/>
+            <a:r>
+              <a:rPr lang="en-US" sz="2000" dirty="0">
+                <a:solidFill>
+                  <a:schemeClr val="tx2"/>
+                </a:solidFill>
+              </a:rPr>
+              <a:t>Requires no preprocessing of data</a:t>
+            </a:r>
+          </a:p>
+          <a:p>
+            <a:pPr lvl="1"/>
+            <a:endParaRPr lang="en-US" sz="2000" dirty="0"/>
+          </a:p>
+        </p:txBody>
+      </p:sp>
+      <p:sp>
+        <p:nvSpPr>
+          <p:cNvPr id="12" name="Rectangle 11">
+            <a:extLst>
+              <a:ext uri="{FF2B5EF4-FFF2-40B4-BE49-F238E27FC236}">
+                <a16:creationId xmlns:a16="http://schemas.microsoft.com/office/drawing/2014/main" id="{C95B82D5-A8BB-45BF-BED8-C7B206892100}"/>
+              </a:ext>
+              <a:ext uri="{C183D7F6-B498-43B3-948B-1728B52AA6E4}">
+                <adec:decorative xmlns:adec="http://schemas.microsoft.com/office/drawing/2017/decorative" val="1"/>
+              </a:ext>
+            </a:extLst>
+          </p:cNvPr>
+          <p:cNvSpPr>
+            <a:spLocks noGrp="1" noRot="1" noChangeAspect="1" noMove="1" noResize="1" noEditPoints="1" noAdjustHandles="1" noChangeArrowheads="1" noChangeShapeType="1" noTextEdit="1"/>
+          </p:cNvSpPr>
+          <p:nvPr>
+            <p:extLst>
+              <p:ext uri="{386F3935-93C4-4BCD-93E2-E3B085C9AB24}">
+                <p16:designElem xmlns:p16="http://schemas.microsoft.com/office/powerpoint/2015/main" val="1"/>
+              </p:ext>
+            </p:extLst>
+          </p:nvPr>
+        </p:nvSpPr>
+        <p:spPr>
+          <a:xfrm>
+            <a:off x="6230112" y="0"/>
+            <a:ext cx="5961888" cy="6858000"/>
+          </a:xfrm>
+          <a:prstGeom prst="rect">
+            <a:avLst/>
+          </a:prstGeom>
+          <a:solidFill>
+            <a:srgbClr val="C8CACA"/>
+          </a:solidFill>
+          <a:ln>
+            <a:noFill/>
+          </a:ln>
+        </p:spPr>
+        <p:style>
+          <a:lnRef idx="2">
+            <a:schemeClr val="accent1">
+              <a:shade val="50000"/>
+            </a:schemeClr>
+          </a:lnRef>
+          <a:fillRef idx="1">
+            <a:schemeClr val="accent1"/>
+          </a:fillRef>
+          <a:effectRef idx="0">
+            <a:schemeClr val="accent1"/>
+          </a:effectRef>
+          <a:fontRef idx="minor">
+            <a:schemeClr val="lt1"/>
+          </a:fontRef>
+        </p:style>
+        <p:txBody>
+          <a:bodyPr rtlCol="0" anchor="ctr"/>
+          <a:lstStyle/>
+          <a:p>
+            <a:pPr algn="ctr"/>
+            <a:endParaRPr lang="en-US"/>
+          </a:p>
+        </p:txBody>
+      </p:sp>
+      <p:sp>
+        <p:nvSpPr>
+          <p:cNvPr id="14" name="Rounded Rectangle 9">
+            <a:extLst>
+              <a:ext uri="{FF2B5EF4-FFF2-40B4-BE49-F238E27FC236}">
+                <a16:creationId xmlns:a16="http://schemas.microsoft.com/office/drawing/2014/main" id="{296C61EC-FBF4-4216-BE67-6C864D30A01C}"/>
+              </a:ext>
+              <a:ext uri="{C183D7F6-B498-43B3-948B-1728B52AA6E4}">
+                <adec:decorative xmlns:adec="http://schemas.microsoft.com/office/drawing/2017/decorative" val="1"/>
+              </a:ext>
+            </a:extLst>
+          </p:cNvPr>
+          <p:cNvSpPr>
+            <a:spLocks noGrp="1" noRot="1" noChangeAspect="1" noMove="1" noResize="1" noEditPoints="1" noAdjustHandles="1" noChangeArrowheads="1" noChangeShapeType="1" noTextEdit="1"/>
+          </p:cNvSpPr>
+          <p:nvPr>
+            <p:extLst>
+              <p:ext uri="{386F3935-93C4-4BCD-93E2-E3B085C9AB24}">
+                <p16:designElem xmlns:p16="http://schemas.microsoft.com/office/powerpoint/2015/main" val="1"/>
+              </p:ext>
+            </p:extLst>
+          </p:nvPr>
+        </p:nvSpPr>
+        <p:spPr>
+          <a:xfrm>
+            <a:off x="6729984" y="484633"/>
+            <a:ext cx="4846320" cy="2743200"/>
+          </a:xfrm>
+          <a:prstGeom prst="roundRect">
+            <a:avLst>
+              <a:gd name="adj" fmla="val 0"/>
+            </a:avLst>
+          </a:prstGeom>
+          <a:solidFill>
+            <a:srgbClr val="FFFFFF"/>
+          </a:solidFill>
+          <a:ln w="9525">
+            <a:solidFill>
+              <a:srgbClr val="C8CACA"/>
+            </a:solidFill>
+          </a:ln>
+          <a:effectLst>
+            <a:outerShdw blurRad="57150" dist="19050" dir="5400000" algn="t" rotWithShape="0">
+              <a:prstClr val="black">
+                <a:alpha val="63000"/>
+              </a:prstClr>
+            </a:outerShdw>
+          </a:effectLst>
+        </p:spPr>
+        <p:style>
+          <a:lnRef idx="2">
+            <a:schemeClr val="accent1">
+              <a:shade val="50000"/>
+            </a:schemeClr>
+          </a:lnRef>
+          <a:fillRef idx="1">
+            <a:schemeClr val="accent1"/>
+          </a:fillRef>
+          <a:effectRef idx="0">
+            <a:schemeClr val="accent1"/>
+          </a:effectRef>
+          <a:fontRef idx="minor">
+            <a:schemeClr val="lt1"/>
+          </a:fontRef>
+        </p:style>
+        <p:txBody>
+          <a:bodyPr rtlCol="0" anchor="ctr"/>
+          <a:lstStyle/>
+          <a:p>
+            <a:pPr algn="ctr"/>
+            <a:endParaRPr lang="en-US"/>
+          </a:p>
+        </p:txBody>
+      </p:sp>
+      <p:pic>
+        <p:nvPicPr>
+          <p:cNvPr id="7" name="Picture 6" descr="Logo, icon&#10;&#10;Description automatically generated">
+            <a:extLst>
+              <a:ext uri="{FF2B5EF4-FFF2-40B4-BE49-F238E27FC236}">
+                <a16:creationId xmlns:a16="http://schemas.microsoft.com/office/drawing/2014/main" id="{4923B56B-2B85-428C-9CD1-715B1DCDF471}"/>
+              </a:ext>
+            </a:extLst>
+          </p:cNvPr>
+          <p:cNvPicPr>
+            <a:picLocks noChangeAspect="1"/>
+          </p:cNvPicPr>
+          <p:nvPr/>
+        </p:nvPicPr>
+        <p:blipFill>
+          <a:blip r:embed="rId2">
+            <a:extLst>
+              <a:ext uri="{28A0092B-C50C-407E-A947-70E740481C1C}">
+                <a14:useLocalDpi xmlns:a14="http://schemas.microsoft.com/office/drawing/2010/main" val="0"/>
+              </a:ext>
+            </a:extLst>
+          </a:blip>
+          <a:stretch>
+            <a:fillRect/>
+          </a:stretch>
+        </p:blipFill>
+        <p:spPr>
+          <a:xfrm>
+            <a:off x="7059168" y="925602"/>
+            <a:ext cx="4206240" cy="1861261"/>
+          </a:xfrm>
+          <a:prstGeom prst="rect">
+            <a:avLst/>
+          </a:prstGeom>
+        </p:spPr>
+      </p:pic>
+      <p:sp>
+        <p:nvSpPr>
+          <p:cNvPr id="16" name="Rounded Rectangle 9">
+            <a:extLst>
+              <a:ext uri="{FF2B5EF4-FFF2-40B4-BE49-F238E27FC236}">
+                <a16:creationId xmlns:a16="http://schemas.microsoft.com/office/drawing/2014/main" id="{39D6C490-0229-4573-9696-B73E5B3A9C33}"/>
+              </a:ext>
+              <a:ext uri="{C183D7F6-B498-43B3-948B-1728B52AA6E4}">
+                <adec:decorative xmlns:adec="http://schemas.microsoft.com/office/drawing/2017/decorative" val="1"/>
+              </a:ext>
+            </a:extLst>
+          </p:cNvPr>
+          <p:cNvSpPr>
+            <a:spLocks noGrp="1" noRot="1" noChangeAspect="1" noMove="1" noResize="1" noEditPoints="1" noAdjustHandles="1" noChangeArrowheads="1" noChangeShapeType="1" noTextEdit="1"/>
+          </p:cNvSpPr>
+          <p:nvPr>
+            <p:extLst>
+              <p:ext uri="{386F3935-93C4-4BCD-93E2-E3B085C9AB24}">
+                <p16:designElem xmlns:p16="http://schemas.microsoft.com/office/powerpoint/2015/main" val="1"/>
+              </p:ext>
+            </p:extLst>
+          </p:nvPr>
+        </p:nvSpPr>
+        <p:spPr>
+          <a:xfrm>
+            <a:off x="6729984" y="3511296"/>
+            <a:ext cx="4846320" cy="2743200"/>
+          </a:xfrm>
+          <a:prstGeom prst="roundRect">
+            <a:avLst>
+              <a:gd name="adj" fmla="val 0"/>
+            </a:avLst>
+          </a:prstGeom>
+          <a:solidFill>
+            <a:srgbClr val="FFFFFF"/>
+          </a:solidFill>
+          <a:ln w="9525">
+            <a:solidFill>
+              <a:srgbClr val="C8CACA"/>
+            </a:solidFill>
+          </a:ln>
+          <a:effectLst>
+            <a:outerShdw blurRad="57150" dist="19050" dir="5400000" algn="t" rotWithShape="0">
+              <a:prstClr val="black">
+                <a:alpha val="63000"/>
+              </a:prstClr>
+            </a:outerShdw>
+          </a:effectLst>
+        </p:spPr>
+        <p:style>
+          <a:lnRef idx="2">
+            <a:schemeClr val="accent1">
+              <a:shade val="50000"/>
+            </a:schemeClr>
+          </a:lnRef>
+          <a:fillRef idx="1">
+            <a:schemeClr val="accent1"/>
+          </a:fillRef>
+          <a:effectRef idx="0">
+            <a:schemeClr val="accent1"/>
+          </a:effectRef>
+          <a:fontRef idx="minor">
+            <a:schemeClr val="lt1"/>
+          </a:fontRef>
+        </p:style>
+        <p:txBody>
+          <a:bodyPr rtlCol="0" anchor="ctr"/>
+          <a:lstStyle/>
+          <a:p>
+            <a:pPr algn="ctr"/>
+            <a:endParaRPr lang="en-US"/>
+          </a:p>
+        </p:txBody>
+      </p:sp>
+      <p:pic>
+        <p:nvPicPr>
+          <p:cNvPr id="5" name="Picture 4" descr="Icon&#10;&#10;Description automatically generated">
+            <a:extLst>
+              <a:ext uri="{FF2B5EF4-FFF2-40B4-BE49-F238E27FC236}">
+                <a16:creationId xmlns:a16="http://schemas.microsoft.com/office/drawing/2014/main" id="{69478A60-CEA1-4398-8175-5BBF8FDE440A}"/>
+              </a:ext>
+            </a:extLst>
+          </p:cNvPr>
+          <p:cNvPicPr>
+            <a:picLocks noChangeAspect="1"/>
+          </p:cNvPicPr>
+          <p:nvPr/>
+        </p:nvPicPr>
+        <p:blipFill>
+          <a:blip r:embed="rId3">
+            <a:extLst>
+              <a:ext uri="{28A0092B-C50C-407E-A947-70E740481C1C}">
+                <a14:useLocalDpi xmlns:a14="http://schemas.microsoft.com/office/drawing/2010/main" val="0"/>
+              </a:ext>
+            </a:extLst>
+          </a:blip>
+          <a:stretch>
+            <a:fillRect/>
+          </a:stretch>
+        </p:blipFill>
+        <p:spPr>
+          <a:xfrm>
+            <a:off x="7059168" y="4251959"/>
+            <a:ext cx="4206240" cy="1261873"/>
+          </a:xfrm>
+          <a:prstGeom prst="rect">
+            <a:avLst/>
+          </a:prstGeom>
+          <a:effectLst/>
+        </p:spPr>
+      </p:pic>
+      <p:pic>
+        <p:nvPicPr>
+          <p:cNvPr id="11" name="Picture 10">
+            <a:extLst>
+              <a:ext uri="{FF2B5EF4-FFF2-40B4-BE49-F238E27FC236}">
+                <a16:creationId xmlns:a16="http://schemas.microsoft.com/office/drawing/2014/main" id="{2FF09F69-1DAF-42FA-8EB3-603E0AF550F7}"/>
+              </a:ext>
+            </a:extLst>
+          </p:cNvPr>
+          <p:cNvPicPr>
+            <a:picLocks noChangeAspect="1"/>
+          </p:cNvPicPr>
+          <p:nvPr/>
+        </p:nvPicPr>
+        <p:blipFill>
+          <a:blip r:embed="rId4"/>
+          <a:stretch>
+            <a:fillRect/>
+          </a:stretch>
+        </p:blipFill>
+        <p:spPr>
+          <a:xfrm>
+            <a:off x="1706051" y="3455188"/>
+            <a:ext cx="3290536" cy="3320334"/>
+          </a:xfrm>
+          <a:prstGeom prst="rect">
+            <a:avLst/>
+          </a:prstGeom>
+        </p:spPr>
+      </p:pic>
+    </p:spTree>
+    <p:extLst>
+      <p:ext uri="{BB962C8B-B14F-4D97-AF65-F5344CB8AC3E}">
+        <p14:creationId xmlns:p14="http://schemas.microsoft.com/office/powerpoint/2010/main" val="1214547199"/>
+      </p:ext>
+    </p:extLst>
+  </p:cSld>
+  <p:clrMapOvr>
+    <a:masterClrMapping/>
+  </p:clrMapOvr>
+</p:sld>
+</file>
+
+<file path=ppt/slides/slide11.xml><?xml version="1.0" encoding="utf-8"?>
+<p:sld xmlns:a="http://schemas.openxmlformats.org/drawingml/2006/main" xmlns:r="http://schemas.openxmlformats.org/officeDocument/2006/relationships" xmlns:p="http://schemas.openxmlformats.org/presentationml/2006/main">
+  <p:cSld>
+    <p:bg>
+      <p:bgPr>
+        <a:solidFill>
+          <a:schemeClr val="bg1"/>
+        </a:solidFill>
+        <a:effectLst/>
+      </p:bgPr>
+    </p:bg>
+    <p:spTree>
+      <p:nvGrpSpPr>
+        <p:cNvPr id="1" name=""/>
+        <p:cNvGrpSpPr/>
+        <p:nvPr/>
+      </p:nvGrpSpPr>
+      <p:grpSpPr>
+        <a:xfrm>
+          <a:off x="0" y="0"/>
+          <a:ext cx="0" cy="0"/>
+          <a:chOff x="0" y="0"/>
+          <a:chExt cx="0" cy="0"/>
+        </a:xfrm>
+      </p:grpSpPr>
+      <p:sp>
+        <p:nvSpPr>
+          <p:cNvPr id="2" name="Title 1">
+            <a:extLst>
+              <a:ext uri="{FF2B5EF4-FFF2-40B4-BE49-F238E27FC236}">
+                <a16:creationId xmlns:a16="http://schemas.microsoft.com/office/drawing/2014/main" id="{89D3AD20-3C59-474C-80EC-F355AFA7851D}"/>
+              </a:ext>
+            </a:extLst>
+          </p:cNvPr>
+          <p:cNvSpPr>
+            <a:spLocks noGrp="1"/>
+          </p:cNvSpPr>
+          <p:nvPr>
+            <p:ph type="title"/>
+          </p:nvPr>
+        </p:nvSpPr>
+        <p:spPr>
+          <a:xfrm>
+            <a:off x="649224" y="629266"/>
+            <a:ext cx="6422849" cy="1676603"/>
+          </a:xfrm>
+        </p:spPr>
+        <p:txBody>
+          <a:bodyPr>
+            <a:normAutofit/>
+          </a:bodyPr>
+          <a:lstStyle/>
+          <a:p>
+            <a:r>
+              <a:rPr lang="en-US" dirty="0">
+                <a:solidFill>
+                  <a:schemeClr val="tx2"/>
+                </a:solidFill>
+              </a:rPr>
+              <a:t>Lift Detection</a:t>
+            </a:r>
+            <a:endParaRPr lang="en-US" dirty="0"/>
+          </a:p>
+        </p:txBody>
+      </p:sp>
+      <p:sp>
+        <p:nvSpPr>
+          <p:cNvPr id="3" name="Content Placeholder 2">
+            <a:extLst>
+              <a:ext uri="{FF2B5EF4-FFF2-40B4-BE49-F238E27FC236}">
+                <a16:creationId xmlns:a16="http://schemas.microsoft.com/office/drawing/2014/main" id="{67892539-5864-41A0-86BA-A50E4BA79348}"/>
+              </a:ext>
+            </a:extLst>
+          </p:cNvPr>
+          <p:cNvSpPr>
+            <a:spLocks noGrp="1"/>
+          </p:cNvSpPr>
+          <p:nvPr>
+            <p:ph idx="1"/>
+          </p:nvPr>
+        </p:nvSpPr>
+        <p:spPr>
+          <a:xfrm>
+            <a:off x="649224" y="2438400"/>
+            <a:ext cx="6422848" cy="3785419"/>
+          </a:xfrm>
+        </p:spPr>
+        <p:txBody>
+          <a:bodyPr>
+            <a:normAutofit/>
+          </a:bodyPr>
+          <a:lstStyle/>
+          <a:p>
+            <a:r>
+              <a:rPr lang="en-US" sz="2000" dirty="0">
+                <a:solidFill>
+                  <a:schemeClr val="tx2"/>
+                </a:solidFill>
+              </a:rPr>
+              <a:t>Currently using same model as Classification, with modified inputs and outputs</a:t>
+            </a:r>
+          </a:p>
+          <a:p>
+            <a:r>
+              <a:rPr lang="en-US" sz="2000" dirty="0">
+                <a:solidFill>
+                  <a:schemeClr val="tx2"/>
+                </a:solidFill>
+              </a:rPr>
+              <a:t>Input is generated using a sliding window over the time-series data</a:t>
+            </a:r>
+          </a:p>
+          <a:p>
+            <a:pPr lvl="1"/>
+            <a:r>
+              <a:rPr lang="en-US" sz="1600" dirty="0">
+                <a:solidFill>
+                  <a:schemeClr val="tx2"/>
+                </a:solidFill>
+              </a:rPr>
+              <a:t>Very unbalanced</a:t>
+            </a:r>
+          </a:p>
+          <a:p>
+            <a:r>
+              <a:rPr lang="en-US" sz="2000" dirty="0">
+                <a:solidFill>
+                  <a:schemeClr val="tx2"/>
+                </a:solidFill>
+              </a:rPr>
+              <a:t>Good recall, low precision</a:t>
+            </a:r>
+          </a:p>
+          <a:p>
+            <a:endParaRPr lang="en-US" sz="2000" dirty="0"/>
+          </a:p>
+        </p:txBody>
+      </p:sp>
+      <p:sp>
+        <p:nvSpPr>
+          <p:cNvPr id="10" name="Rectangle 9">
+            <a:extLst>
+              <a:ext uri="{FF2B5EF4-FFF2-40B4-BE49-F238E27FC236}">
+                <a16:creationId xmlns:a16="http://schemas.microsoft.com/office/drawing/2014/main" id="{A98BC887-4916-4227-9F48-3B078D238FAF}"/>
+              </a:ext>
+              <a:ext uri="{C183D7F6-B498-43B3-948B-1728B52AA6E4}">
+                <adec:decorative xmlns:adec="http://schemas.microsoft.com/office/drawing/2017/decorative" val="1"/>
+              </a:ext>
+            </a:extLst>
+          </p:cNvPr>
+          <p:cNvSpPr>
+            <a:spLocks noGrp="1" noRot="1" noChangeAspect="1" noMove="1" noResize="1" noEditPoints="1" noAdjustHandles="1" noChangeArrowheads="1" noChangeShapeType="1" noTextEdit="1"/>
+          </p:cNvSpPr>
+          <p:nvPr>
+            <p:extLst>
+              <p:ext uri="{386F3935-93C4-4BCD-93E2-E3B085C9AB24}">
+                <p16:designElem xmlns:p16="http://schemas.microsoft.com/office/powerpoint/2015/main" val="1"/>
+              </p:ext>
+            </p:extLst>
+          </p:nvPr>
+        </p:nvSpPr>
+        <p:spPr>
+          <a:xfrm>
+            <a:off x="7555992" y="0"/>
+            <a:ext cx="4636008" cy="6858000"/>
+          </a:xfrm>
+          <a:prstGeom prst="rect">
+            <a:avLst/>
+          </a:prstGeom>
+          <a:solidFill>
+            <a:srgbClr val="C8CACA"/>
+          </a:solidFill>
+          <a:ln>
+            <a:noFill/>
+          </a:ln>
+        </p:spPr>
+        <p:style>
+          <a:lnRef idx="2">
+            <a:schemeClr val="accent1">
+              <a:shade val="50000"/>
+            </a:schemeClr>
+          </a:lnRef>
+          <a:fillRef idx="1">
+            <a:schemeClr val="accent1"/>
+          </a:fillRef>
+          <a:effectRef idx="0">
+            <a:schemeClr val="accent1"/>
+          </a:effectRef>
+          <a:fontRef idx="minor">
+            <a:schemeClr val="lt1"/>
+          </a:fontRef>
+        </p:style>
+        <p:txBody>
+          <a:bodyPr rtlCol="0" anchor="ctr"/>
+          <a:lstStyle/>
+          <a:p>
+            <a:pPr algn="ctr"/>
+            <a:endParaRPr lang="en-US"/>
+          </a:p>
+        </p:txBody>
+      </p:sp>
+      <p:sp>
+        <p:nvSpPr>
+          <p:cNvPr id="12" name="Rounded Rectangle 9">
+            <a:extLst>
+              <a:ext uri="{FF2B5EF4-FFF2-40B4-BE49-F238E27FC236}">
+                <a16:creationId xmlns:a16="http://schemas.microsoft.com/office/drawing/2014/main" id="{1AD6DCFA-0E71-4650-A5E4-3C20E73EB6C9}"/>
+              </a:ext>
+              <a:ext uri="{C183D7F6-B498-43B3-948B-1728B52AA6E4}">
+                <adec:decorative xmlns:adec="http://schemas.microsoft.com/office/drawing/2017/decorative" val="1"/>
+              </a:ext>
+            </a:extLst>
+          </p:cNvPr>
+          <p:cNvSpPr>
+            <a:spLocks noGrp="1" noRot="1" noChangeAspect="1" noMove="1" noResize="1" noEditPoints="1" noAdjustHandles="1" noChangeArrowheads="1" noChangeShapeType="1" noTextEdit="1"/>
+          </p:cNvSpPr>
+          <p:nvPr>
+            <p:extLst>
+              <p:ext uri="{386F3935-93C4-4BCD-93E2-E3B085C9AB24}">
+                <p16:designElem xmlns:p16="http://schemas.microsoft.com/office/powerpoint/2015/main" val="1"/>
+              </p:ext>
+            </p:extLst>
+          </p:nvPr>
+        </p:nvSpPr>
+        <p:spPr>
+          <a:xfrm>
+            <a:off x="8040624" y="484632"/>
+            <a:ext cx="3666744" cy="5739187"/>
+          </a:xfrm>
+          <a:prstGeom prst="roundRect">
+            <a:avLst>
+              <a:gd name="adj" fmla="val 0"/>
+            </a:avLst>
+          </a:prstGeom>
+          <a:solidFill>
+            <a:srgbClr val="FFFFFF"/>
+          </a:solidFill>
+          <a:ln w="9525">
+            <a:solidFill>
+              <a:srgbClr val="C8CACA"/>
+            </a:solidFill>
+          </a:ln>
+          <a:effectLst>
+            <a:outerShdw blurRad="57150" dist="19050" dir="5400000" algn="t" rotWithShape="0">
+              <a:prstClr val="black">
+                <a:alpha val="63000"/>
+              </a:prstClr>
+            </a:outerShdw>
+          </a:effectLst>
+        </p:spPr>
+        <p:style>
+          <a:lnRef idx="2">
+            <a:schemeClr val="accent1">
+              <a:shade val="50000"/>
+            </a:schemeClr>
+          </a:lnRef>
+          <a:fillRef idx="1">
+            <a:schemeClr val="accent1"/>
+          </a:fillRef>
+          <a:effectRef idx="0">
+            <a:schemeClr val="accent1"/>
+          </a:effectRef>
+          <a:fontRef idx="minor">
+            <a:schemeClr val="lt1"/>
+          </a:fontRef>
+        </p:style>
+        <p:txBody>
+          <a:bodyPr rtlCol="0" anchor="ctr"/>
+          <a:lstStyle/>
+          <a:p>
+            <a:pPr algn="ctr"/>
+            <a:endParaRPr lang="en-US"/>
+          </a:p>
+        </p:txBody>
+      </p:sp>
+      <p:pic>
+        <p:nvPicPr>
+          <p:cNvPr id="4" name="Picture 3" descr="Chart, line chart&#10;&#10;Description automatically generated">
+            <a:extLst>
+              <a:ext uri="{FF2B5EF4-FFF2-40B4-BE49-F238E27FC236}">
+                <a16:creationId xmlns:a16="http://schemas.microsoft.com/office/drawing/2014/main" id="{D418F4AC-33DD-4F6E-89A5-34A75AE56A3E}"/>
+              </a:ext>
+            </a:extLst>
+          </p:cNvPr>
+          <p:cNvPicPr>
+            <a:picLocks noChangeAspect="1"/>
+          </p:cNvPicPr>
+          <p:nvPr/>
+        </p:nvPicPr>
+        <p:blipFill>
+          <a:blip r:embed="rId2">
+            <a:extLst>
+              <a:ext uri="{28A0092B-C50C-407E-A947-70E740481C1C}">
+                <a14:useLocalDpi xmlns:a14="http://schemas.microsoft.com/office/drawing/2010/main" val="0"/>
+              </a:ext>
+            </a:extLst>
+          </a:blip>
+          <a:stretch>
+            <a:fillRect/>
+          </a:stretch>
+        </p:blipFill>
+        <p:spPr>
+          <a:xfrm>
+            <a:off x="8638622" y="803049"/>
+            <a:ext cx="2470743" cy="2470743"/>
+          </a:xfrm>
+          <a:prstGeom prst="rect">
+            <a:avLst/>
+          </a:prstGeom>
+          <a:effectLst/>
+        </p:spPr>
+      </p:pic>
+      <p:pic>
+        <p:nvPicPr>
+          <p:cNvPr id="5" name="Picture 4" descr="A screenshot of a cell phone&#10;&#10;Description automatically generated">
+            <a:extLst>
+              <a:ext uri="{FF2B5EF4-FFF2-40B4-BE49-F238E27FC236}">
+                <a16:creationId xmlns:a16="http://schemas.microsoft.com/office/drawing/2014/main" id="{08BBDF9F-DF6D-4431-977F-774E3FF42923}"/>
+              </a:ext>
+            </a:extLst>
+          </p:cNvPr>
+          <p:cNvPicPr>
+            <a:picLocks noChangeAspect="1"/>
+          </p:cNvPicPr>
+          <p:nvPr/>
+        </p:nvPicPr>
+        <p:blipFill>
+          <a:blip r:embed="rId3">
+            <a:extLst>
+              <a:ext uri="{28A0092B-C50C-407E-A947-70E740481C1C}">
+                <a14:useLocalDpi xmlns:a14="http://schemas.microsoft.com/office/drawing/2010/main" val="0"/>
+              </a:ext>
+            </a:extLst>
+          </a:blip>
+          <a:stretch>
+            <a:fillRect/>
+          </a:stretch>
+        </p:blipFill>
+        <p:spPr>
+          <a:xfrm>
+            <a:off x="8654797" y="3461344"/>
+            <a:ext cx="2438400" cy="2438400"/>
+          </a:xfrm>
+          <a:prstGeom prst="rect">
+            <a:avLst/>
+          </a:prstGeom>
+        </p:spPr>
+      </p:pic>
+    </p:spTree>
+    <p:extLst>
+      <p:ext uri="{BB962C8B-B14F-4D97-AF65-F5344CB8AC3E}">
+        <p14:creationId xmlns:p14="http://schemas.microsoft.com/office/powerpoint/2010/main" val="842176570"/>
+      </p:ext>
+    </p:extLst>
+  </p:cSld>
+  <p:clrMapOvr>
+    <a:masterClrMapping/>
+  </p:clrMapOvr>
+</p:sld>
+</file>
+
+<file path=ppt/slides/slide12.xml><?xml version="1.0" encoding="utf-8"?>
+<p:sld xmlns:a="http://schemas.openxmlformats.org/drawingml/2006/main" xmlns:r="http://schemas.openxmlformats.org/officeDocument/2006/relationships" xmlns:p="http://schemas.openxmlformats.org/presentationml/2006/main">
+  <p:cSld>
+    <p:bg>
+      <p:bgPr>
+        <a:solidFill>
+          <a:schemeClr val="bg1"/>
+        </a:solidFill>
+        <a:effectLst/>
+      </p:bgPr>
+    </p:bg>
+    <p:spTree>
+      <p:nvGrpSpPr>
+        <p:cNvPr id="1" name=""/>
+        <p:cNvGrpSpPr/>
+        <p:nvPr/>
+      </p:nvGrpSpPr>
+      <p:grpSpPr>
+        <a:xfrm>
+          <a:off x="0" y="0"/>
+          <a:ext cx="0" cy="0"/>
+          <a:chOff x="0" y="0"/>
+          <a:chExt cx="0" cy="0"/>
+        </a:xfrm>
+      </p:grpSpPr>
       <p:sp useBgFill="1">
         <p:nvSpPr>
           <p:cNvPr id="8" name="Rectangle 7">
@@ -12917,7 +13742,7 @@
 </p:sld>
 </file>
 
-<file path=ppt/slides/slide11.xml><?xml version="1.0" encoding="utf-8"?>
+<file path=ppt/slides/slide13.xml><?xml version="1.0" encoding="utf-8"?>
 <p:sld xmlns:a="http://schemas.openxmlformats.org/drawingml/2006/main" xmlns:r="http://schemas.openxmlformats.org/officeDocument/2006/relationships" xmlns:p="http://schemas.openxmlformats.org/presentationml/2006/main">
   <p:cSld>
     <p:bg>
@@ -15510,7 +16335,7 @@
 </p:sld>
 </file>
 
-<file path=ppt/slides/slide12.xml><?xml version="1.0" encoding="utf-8"?>
+<file path=ppt/slides/slide14.xml><?xml version="1.0" encoding="utf-8"?>
 <p:sld xmlns:a="http://schemas.openxmlformats.org/drawingml/2006/main" xmlns:r="http://schemas.openxmlformats.org/officeDocument/2006/relationships" xmlns:p="http://schemas.openxmlformats.org/presentationml/2006/main">
   <p:cSld>
     <p:bg>
@@ -18917,7 +19742,7 @@
 </p:sld>
 </file>
 
-<file path=ppt/slides/slide13.xml><?xml version="1.0" encoding="utf-8"?>
+<file path=ppt/slides/slide15.xml><?xml version="1.0" encoding="utf-8"?>
 <p:sld xmlns:a="http://schemas.openxmlformats.org/drawingml/2006/main" xmlns:r="http://schemas.openxmlformats.org/officeDocument/2006/relationships" xmlns:p="http://schemas.openxmlformats.org/presentationml/2006/main">
   <p:cSld>
     <p:bg>
@@ -42091,7 +42916,7 @@
           <a:lstStyle/>
           <a:p>
             <a:r>
-              <a:rPr lang="en-US" sz="3600">
+              <a:rPr lang="en-US" sz="3600" dirty="0">
                 <a:solidFill>
                   <a:schemeClr val="tx2"/>
                 </a:solidFill>
@@ -44349,29 +45174,6 @@
 </file>
 
 <file path=customXml/item1.xml><?xml version="1.0" encoding="utf-8"?>
-<p:properties xmlns:p="http://schemas.microsoft.com/office/2006/metadata/properties" xmlns:xsi="http://www.w3.org/2001/XMLSchema-instance" xmlns:pc="http://schemas.microsoft.com/office/infopath/2007/PartnerControls">
-  <documentManagement>
-    <_ip_UnifiedCompliancePolicyUIAction xmlns="http://schemas.microsoft.com/sharepoint/v3" xsi:nil="true"/>
-    <MigrationWizIdDocumentLibraryPermissions xmlns="30a303d7-cbbf-4601-8660-dcbf1875f84c" xsi:nil="true"/>
-    <MigrationWizIdPermissionLevels xmlns="30a303d7-cbbf-4601-8660-dcbf1875f84c" xsi:nil="true"/>
-    <MigrationWizIdPermissions xmlns="30a303d7-cbbf-4601-8660-dcbf1875f84c" xsi:nil="true"/>
-    <_ip_UnifiedCompliancePolicyProperties xmlns="http://schemas.microsoft.com/sharepoint/v3" xsi:nil="true"/>
-    <MigrationWizIdSecurityGroups xmlns="30a303d7-cbbf-4601-8660-dcbf1875f84c" xsi:nil="true"/>
-    <MigrationWizId xmlns="30a303d7-cbbf-4601-8660-dcbf1875f84c" xsi:nil="true"/>
-  </documentManagement>
-</p:properties>
-</file>
-
-<file path=customXml/item2.xml><?xml version="1.0" encoding="utf-8"?>
-<?mso-contentType ?>
-<FormTemplates xmlns="http://schemas.microsoft.com/sharepoint/v3/contenttype/forms">
-  <Display>DocumentLibraryForm</Display>
-  <Edit>DocumentLibraryForm</Edit>
-  <New>DocumentLibraryForm</New>
-</FormTemplates>
-</file>
-
-<file path=customXml/item3.xml><?xml version="1.0" encoding="utf-8"?>
 <ct:contentTypeSchema xmlns:ct="http://schemas.microsoft.com/office/2006/metadata/contentType" xmlns:ma="http://schemas.microsoft.com/office/2006/metadata/properties/metaAttributes" ct:_="" ma:_="" ma:contentTypeName="Document" ma:contentTypeID="0x010100F761965B390B504A85AE5B380A6557C2" ma:contentTypeVersion="20" ma:contentTypeDescription="Create a new document." ma:contentTypeScope="" ma:versionID="6431c53291774a99eb910729c2684f7a">
   <xsd:schema xmlns:xsd="http://www.w3.org/2001/XMLSchema" xmlns:xs="http://www.w3.org/2001/XMLSchema" xmlns:p="http://schemas.microsoft.com/office/2006/metadata/properties" xmlns:ns1="http://schemas.microsoft.com/sharepoint/v3" xmlns:ns3="30a303d7-cbbf-4601-8660-dcbf1875f84c" xmlns:ns4="7eeb39fa-1749-453a-b36f-d4f407b200a3" targetNamespace="http://schemas.microsoft.com/office/2006/metadata/properties" ma:root="true" ma:fieldsID="0302ecbf7208b638bda36d25a3cb0a20" ns1:_="" ns3:_="" ns4:_="">
     <xsd:import namespace="http://schemas.microsoft.com/sharepoint/v3"/>
@@ -44641,26 +45443,30 @@
 </ct:contentTypeSchema>
 </file>
 
-<file path=customXml/itemProps1.xml><?xml version="1.0" encoding="utf-8"?>
-<ds:datastoreItem xmlns:ds="http://schemas.openxmlformats.org/officeDocument/2006/customXml" ds:itemID="{9C133C73-081B-4775-BF6A-873EB7F5FA78}">
-  <ds:schemaRefs>
-    <ds:schemaRef ds:uri="http://schemas.microsoft.com/office/2006/metadata/properties"/>
-    <ds:schemaRef ds:uri="http://schemas.microsoft.com/office/infopath/2007/PartnerControls"/>
-    <ds:schemaRef ds:uri="http://schemas.microsoft.com/sharepoint/v3"/>
-    <ds:schemaRef ds:uri="30a303d7-cbbf-4601-8660-dcbf1875f84c"/>
-  </ds:schemaRefs>
-</ds:datastoreItem>
+<file path=customXml/item2.xml><?xml version="1.0" encoding="utf-8"?>
+<?mso-contentType ?>
+<FormTemplates xmlns="http://schemas.microsoft.com/sharepoint/v3/contenttype/forms">
+  <Display>DocumentLibraryForm</Display>
+  <Edit>DocumentLibraryForm</Edit>
+  <New>DocumentLibraryForm</New>
+</FormTemplates>
 </file>
 
-<file path=customXml/itemProps2.xml><?xml version="1.0" encoding="utf-8"?>
-<ds:datastoreItem xmlns:ds="http://schemas.openxmlformats.org/officeDocument/2006/customXml" ds:itemID="{1DC5AF26-2B09-4252-BB6E-0679B9B013BC}">
-  <ds:schemaRefs>
-    <ds:schemaRef ds:uri="http://schemas.microsoft.com/sharepoint/v3/contenttype/forms"/>
-  </ds:schemaRefs>
-</ds:datastoreItem>
+<file path=customXml/item3.xml><?xml version="1.0" encoding="utf-8"?>
+<p:properties xmlns:p="http://schemas.microsoft.com/office/2006/metadata/properties" xmlns:xsi="http://www.w3.org/2001/XMLSchema-instance" xmlns:pc="http://schemas.microsoft.com/office/infopath/2007/PartnerControls">
+  <documentManagement>
+    <_ip_UnifiedCompliancePolicyUIAction xmlns="http://schemas.microsoft.com/sharepoint/v3" xsi:nil="true"/>
+    <MigrationWizIdDocumentLibraryPermissions xmlns="30a303d7-cbbf-4601-8660-dcbf1875f84c" xsi:nil="true"/>
+    <MigrationWizIdPermissionLevels xmlns="30a303d7-cbbf-4601-8660-dcbf1875f84c" xsi:nil="true"/>
+    <MigrationWizIdPermissions xmlns="30a303d7-cbbf-4601-8660-dcbf1875f84c" xsi:nil="true"/>
+    <_ip_UnifiedCompliancePolicyProperties xmlns="http://schemas.microsoft.com/sharepoint/v3" xsi:nil="true"/>
+    <MigrationWizIdSecurityGroups xmlns="30a303d7-cbbf-4601-8660-dcbf1875f84c" xsi:nil="true"/>
+    <MigrationWizId xmlns="30a303d7-cbbf-4601-8660-dcbf1875f84c" xsi:nil="true"/>
+  </documentManagement>
+</p:properties>
 </file>
 
-<file path=customXml/itemProps3.xml><?xml version="1.0" encoding="utf-8"?>
+<file path=customXml/itemProps1.xml><?xml version="1.0" encoding="utf-8"?>
 <ds:datastoreItem xmlns:ds="http://schemas.openxmlformats.org/officeDocument/2006/customXml" ds:itemID="{7ED725B4-39A0-49D1-A8B2-1713B080A7D2}">
   <ds:schemaRefs>
     <ds:schemaRef ds:uri="http://schemas.microsoft.com/office/2006/metadata/contentType"/>
@@ -44678,4 +45484,23 @@
     <ds:schemaRef ds:uri="http://schemas.microsoft.com/internal/obd"/>
   </ds:schemaRefs>
 </ds:datastoreItem>
+</file>
+
+<file path=customXml/itemProps2.xml><?xml version="1.0" encoding="utf-8"?>
+<ds:datastoreItem xmlns:ds="http://schemas.openxmlformats.org/officeDocument/2006/customXml" ds:itemID="{1DC5AF26-2B09-4252-BB6E-0679B9B013BC}">
+  <ds:schemaRefs>
+    <ds:schemaRef ds:uri="http://schemas.microsoft.com/sharepoint/v3/contenttype/forms"/>
+  </ds:schemaRefs>
+</ds:datastoreItem>
+</file>
+
+<file path=customXml/itemProps3.xml><?xml version="1.0" encoding="utf-8"?>
+<ds:datastoreItem xmlns:ds="http://schemas.openxmlformats.org/officeDocument/2006/customXml" ds:itemID="{9C133C73-081B-4775-BF6A-873EB7F5FA78}">
+  <ds:schemaRefs>
+    <ds:schemaRef ds:uri="http://schemas.microsoft.com/office/2006/metadata/properties"/>
+    <ds:schemaRef ds:uri="http://schemas.microsoft.com/office/infopath/2007/PartnerControls"/>
+    <ds:schemaRef ds:uri="http://schemas.microsoft.com/sharepoint/v3"/>
+    <ds:schemaRef ds:uri="30a303d7-cbbf-4601-8660-dcbf1875f84c"/>
+  </ds:schemaRefs>
+</ds:datastoreItem>
 </file>